--- a/resources/Book-Images.pptx
+++ b/resources/Book-Images.pptx
@@ -7,6 +7,7 @@
   <p:sldIdLst>
     <p:sldId id="256" r:id="rId2"/>
     <p:sldId id="257" r:id="rId3"/>
+    <p:sldId id="258" r:id="rId4"/>
   </p:sldIdLst>
   <p:sldSz cx="12192000" cy="6858000"/>
   <p:notesSz cx="6858000" cy="9144000"/>
@@ -242,7 +243,7 @@
           <a:p>
             <a:fld id="{78F2F26C-9256-4E49-822A-CBF31DCDB915}" type="datetimeFigureOut">
               <a:rPr lang="en-US" smtClean="0"/>
-              <a:t>19-Feb-17</a:t>
+              <a:t>07-Mar-17</a:t>
             </a:fld>
             <a:endParaRPr lang="en-US"/>
           </a:p>
@@ -410,7 +411,7 @@
           <a:p>
             <a:fld id="{78F2F26C-9256-4E49-822A-CBF31DCDB915}" type="datetimeFigureOut">
               <a:rPr lang="en-US" smtClean="0"/>
-              <a:t>19-Feb-17</a:t>
+              <a:t>07-Mar-17</a:t>
             </a:fld>
             <a:endParaRPr lang="en-US"/>
           </a:p>
@@ -588,7 +589,7 @@
           <a:p>
             <a:fld id="{78F2F26C-9256-4E49-822A-CBF31DCDB915}" type="datetimeFigureOut">
               <a:rPr lang="en-US" smtClean="0"/>
-              <a:t>19-Feb-17</a:t>
+              <a:t>07-Mar-17</a:t>
             </a:fld>
             <a:endParaRPr lang="en-US"/>
           </a:p>
@@ -756,7 +757,7 @@
           <a:p>
             <a:fld id="{78F2F26C-9256-4E49-822A-CBF31DCDB915}" type="datetimeFigureOut">
               <a:rPr lang="en-US" smtClean="0"/>
-              <a:t>19-Feb-17</a:t>
+              <a:t>07-Mar-17</a:t>
             </a:fld>
             <a:endParaRPr lang="en-US"/>
           </a:p>
@@ -1001,7 +1002,7 @@
           <a:p>
             <a:fld id="{78F2F26C-9256-4E49-822A-CBF31DCDB915}" type="datetimeFigureOut">
               <a:rPr lang="en-US" smtClean="0"/>
-              <a:t>19-Feb-17</a:t>
+              <a:t>07-Mar-17</a:t>
             </a:fld>
             <a:endParaRPr lang="en-US"/>
           </a:p>
@@ -1230,7 +1231,7 @@
           <a:p>
             <a:fld id="{78F2F26C-9256-4E49-822A-CBF31DCDB915}" type="datetimeFigureOut">
               <a:rPr lang="en-US" smtClean="0"/>
-              <a:t>19-Feb-17</a:t>
+              <a:t>07-Mar-17</a:t>
             </a:fld>
             <a:endParaRPr lang="en-US"/>
           </a:p>
@@ -1594,7 +1595,7 @@
           <a:p>
             <a:fld id="{78F2F26C-9256-4E49-822A-CBF31DCDB915}" type="datetimeFigureOut">
               <a:rPr lang="en-US" smtClean="0"/>
-              <a:t>19-Feb-17</a:t>
+              <a:t>07-Mar-17</a:t>
             </a:fld>
             <a:endParaRPr lang="en-US"/>
           </a:p>
@@ -1711,7 +1712,7 @@
           <a:p>
             <a:fld id="{78F2F26C-9256-4E49-822A-CBF31DCDB915}" type="datetimeFigureOut">
               <a:rPr lang="en-US" smtClean="0"/>
-              <a:t>19-Feb-17</a:t>
+              <a:t>07-Mar-17</a:t>
             </a:fld>
             <a:endParaRPr lang="en-US"/>
           </a:p>
@@ -1806,7 +1807,7 @@
           <a:p>
             <a:fld id="{78F2F26C-9256-4E49-822A-CBF31DCDB915}" type="datetimeFigureOut">
               <a:rPr lang="en-US" smtClean="0"/>
-              <a:t>19-Feb-17</a:t>
+              <a:t>07-Mar-17</a:t>
             </a:fld>
             <a:endParaRPr lang="en-US"/>
           </a:p>
@@ -2081,7 +2082,7 @@
           <a:p>
             <a:fld id="{78F2F26C-9256-4E49-822A-CBF31DCDB915}" type="datetimeFigureOut">
               <a:rPr lang="en-US" smtClean="0"/>
-              <a:t>19-Feb-17</a:t>
+              <a:t>07-Mar-17</a:t>
             </a:fld>
             <a:endParaRPr lang="en-US"/>
           </a:p>
@@ -2333,7 +2334,7 @@
           <a:p>
             <a:fld id="{78F2F26C-9256-4E49-822A-CBF31DCDB915}" type="datetimeFigureOut">
               <a:rPr lang="en-US" smtClean="0"/>
-              <a:t>19-Feb-17</a:t>
+              <a:t>07-Mar-17</a:t>
             </a:fld>
             <a:endParaRPr lang="en-US"/>
           </a:p>
@@ -2544,7 +2545,7 @@
           <a:p>
             <a:fld id="{78F2F26C-9256-4E49-822A-CBF31DCDB915}" type="datetimeFigureOut">
               <a:rPr lang="en-US" smtClean="0"/>
-              <a:t>19-Feb-17</a:t>
+              <a:t>07-Mar-17</a:t>
             </a:fld>
             <a:endParaRPr lang="en-US"/>
           </a:p>
@@ -4180,6 +4181,509 @@
 </p:sld>
 </file>
 
+<file path=ppt/slides/slide3.xml><?xml version="1.0" encoding="utf-8"?>
+<p:sld xmlns:a="http://schemas.openxmlformats.org/drawingml/2006/main" xmlns:r="http://schemas.openxmlformats.org/officeDocument/2006/relationships" xmlns:p="http://schemas.openxmlformats.org/presentationml/2006/main">
+  <p:cSld>
+    <p:spTree>
+      <p:nvGrpSpPr>
+        <p:cNvPr id="1" name=""/>
+        <p:cNvGrpSpPr/>
+        <p:nvPr/>
+      </p:nvGrpSpPr>
+      <p:grpSpPr>
+        <a:xfrm>
+          <a:off x="0" y="0"/>
+          <a:ext cx="0" cy="0"/>
+          <a:chOff x="0" y="0"/>
+          <a:chExt cx="0" cy="0"/>
+        </a:xfrm>
+      </p:grpSpPr>
+      <p:sp>
+        <p:nvSpPr>
+          <p:cNvPr id="4" name="Rectangle 4"/>
+          <p:cNvSpPr>
+            <a:spLocks noChangeArrowheads="1"/>
+          </p:cNvSpPr>
+          <p:nvPr/>
+        </p:nvSpPr>
+        <p:spPr bwMode="auto">
+          <a:xfrm>
+            <a:off x="3624771" y="4867832"/>
+            <a:ext cx="3675062" cy="619382"/>
+          </a:xfrm>
+          <a:prstGeom prst="rect">
+            <a:avLst/>
+          </a:prstGeom>
+          <a:solidFill>
+            <a:schemeClr val="accent5">
+              <a:lumMod val="40000"/>
+              <a:lumOff val="60000"/>
+              <a:alpha val="20000"/>
+            </a:schemeClr>
+          </a:solidFill>
+          <a:ln w="12700">
+            <a:solidFill>
+              <a:schemeClr val="accent5">
+                <a:lumMod val="60000"/>
+                <a:lumOff val="40000"/>
+              </a:schemeClr>
+            </a:solidFill>
+          </a:ln>
+        </p:spPr>
+        <p:txBody>
+          <a:bodyPr wrap="square">
+            <a:spAutoFit/>
+          </a:bodyPr>
+          <a:lstStyle/>
+          <a:p>
+            <a:pPr eaLnBrk="0" hangingPunct="0">
+              <a:lnSpc>
+                <a:spcPct val="120000"/>
+              </a:lnSpc>
+              <a:buClr>
+                <a:schemeClr val="accent5">
+                  <a:lumMod val="40000"/>
+                  <a:lumOff val="60000"/>
+                </a:schemeClr>
+              </a:buClr>
+              <a:buSzPct val="70000"/>
+            </a:pPr>
+            <a:r>
+              <a:rPr lang="en-US" sz="2800" b="1" noProof="1">
+                <a:effectLst>
+                  <a:outerShdw blurRad="38100" dist="38100" dir="2700000" algn="tl">
+                    <a:schemeClr val="bg1">
+                      <a:alpha val="43000"/>
+                    </a:schemeClr>
+                  </a:outerShdw>
+                </a:effectLst>
+                <a:latin typeface="Consolas" pitchFamily="49" charset="0"/>
+              </a:rPr>
+              <a:t>var count = 5;</a:t>
+            </a:r>
+          </a:p>
+        </p:txBody>
+      </p:sp>
+      <p:sp>
+        <p:nvSpPr>
+          <p:cNvPr id="5" name="AutoShape 5"/>
+          <p:cNvSpPr>
+            <a:spLocks noChangeArrowheads="1"/>
+          </p:cNvSpPr>
+          <p:nvPr/>
+        </p:nvSpPr>
+        <p:spPr bwMode="auto">
+          <a:xfrm>
+            <a:off x="979054" y="4696499"/>
+            <a:ext cx="2155657" cy="669828"/>
+          </a:xfrm>
+          <a:prstGeom prst="wedgeRoundRectCallout">
+            <a:avLst>
+              <a:gd name="adj1" fmla="val 72797"/>
+              <a:gd name="adj2" fmla="val 31163"/>
+              <a:gd name="adj3" fmla="val 16667"/>
+            </a:avLst>
+          </a:prstGeom>
+          <a:solidFill>
+            <a:schemeClr val="bg1">
+              <a:lumMod val="85000"/>
+              <a:alpha val="94902"/>
+            </a:schemeClr>
+          </a:solidFill>
+          <a:ln w="19050">
+            <a:solidFill>
+              <a:schemeClr val="bg1">
+                <a:lumMod val="50000"/>
+                <a:alpha val="80000"/>
+              </a:schemeClr>
+            </a:solidFill>
+          </a:ln>
+        </p:spPr>
+        <p:style>
+          <a:lnRef idx="2">
+            <a:schemeClr val="accent1">
+              <a:shade val="50000"/>
+            </a:schemeClr>
+          </a:lnRef>
+          <a:fillRef idx="1">
+            <a:schemeClr val="accent1"/>
+          </a:fillRef>
+          <a:effectRef idx="0">
+            <a:schemeClr val="accent1"/>
+          </a:effectRef>
+          <a:fontRef idx="minor">
+            <a:schemeClr val="lt1"/>
+          </a:fontRef>
+        </p:style>
+        <p:txBody>
+          <a:bodyPr rot="0" spcFirstLastPara="0" vertOverflow="overflow" horzOverflow="overflow" vert="horz" wrap="square" lIns="91440" tIns="45720" rIns="91440" bIns="45720" numCol="1" spcCol="0" rtlCol="0" fromWordArt="0" anchor="ctr" anchorCtr="0" forceAA="0" compatLnSpc="1">
+            <a:prstTxWarp prst="textNoShape">
+              <a:avLst/>
+            </a:prstTxWarp>
+            <a:noAutofit/>
+          </a:bodyPr>
+          <a:lstStyle/>
+          <a:p>
+            <a:pPr algn="ctr"/>
+            <a:r>
+              <a:rPr lang="bg-BG" sz="2800" b="1" dirty="0">
+                <a:solidFill>
+                  <a:schemeClr val="tx1"/>
+                </a:solidFill>
+                <a:effectLst>
+                  <a:outerShdw blurRad="38100" dist="38100" dir="2700000" algn="tl">
+                    <a:schemeClr val="bg1">
+                      <a:alpha val="43000"/>
+                    </a:schemeClr>
+                  </a:outerShdw>
+                </a:effectLst>
+              </a:rPr>
+              <a:t>Декларация</a:t>
+            </a:r>
+          </a:p>
+        </p:txBody>
+      </p:sp>
+      <p:sp>
+        <p:nvSpPr>
+          <p:cNvPr id="6" name="AutoShape 6"/>
+          <p:cNvSpPr>
+            <a:spLocks noChangeArrowheads="1"/>
+          </p:cNvSpPr>
+          <p:nvPr/>
+        </p:nvSpPr>
+        <p:spPr bwMode="auto">
+          <a:xfrm>
+            <a:off x="4711287" y="3927762"/>
+            <a:ext cx="3638386" cy="657899"/>
+          </a:xfrm>
+          <a:prstGeom prst="wedgeRoundRectCallout">
+            <a:avLst>
+              <a:gd name="adj1" fmla="val -44501"/>
+              <a:gd name="adj2" fmla="val 117145"/>
+              <a:gd name="adj3" fmla="val 16667"/>
+            </a:avLst>
+          </a:prstGeom>
+          <a:solidFill>
+            <a:schemeClr val="bg1">
+              <a:lumMod val="85000"/>
+              <a:alpha val="94902"/>
+            </a:schemeClr>
+          </a:solidFill>
+          <a:ln w="19050">
+            <a:solidFill>
+              <a:schemeClr val="bg1">
+                <a:lumMod val="50000"/>
+                <a:alpha val="80000"/>
+              </a:schemeClr>
+            </a:solidFill>
+          </a:ln>
+        </p:spPr>
+        <p:style>
+          <a:lnRef idx="2">
+            <a:schemeClr val="accent1">
+              <a:shade val="50000"/>
+            </a:schemeClr>
+          </a:lnRef>
+          <a:fillRef idx="1">
+            <a:schemeClr val="accent1"/>
+          </a:fillRef>
+          <a:effectRef idx="0">
+            <a:schemeClr val="accent1"/>
+          </a:effectRef>
+          <a:fontRef idx="minor">
+            <a:schemeClr val="lt1"/>
+          </a:fontRef>
+        </p:style>
+        <p:txBody>
+          <a:bodyPr rot="0" spcFirstLastPara="0" vertOverflow="overflow" horzOverflow="overflow" vert="horz" wrap="square" lIns="91440" tIns="45720" rIns="91440" bIns="45720" numCol="1" spcCol="0" rtlCol="0" fromWordArt="0" anchor="ctr" anchorCtr="0" forceAA="0" compatLnSpc="1">
+            <a:prstTxWarp prst="textNoShape">
+              <a:avLst/>
+            </a:prstTxWarp>
+            <a:noAutofit/>
+          </a:bodyPr>
+          <a:lstStyle/>
+          <a:p>
+            <a:pPr algn="ctr"/>
+            <a:r>
+              <a:rPr lang="bg-BG" sz="2800" b="1" dirty="0">
+                <a:solidFill>
+                  <a:schemeClr val="tx1"/>
+                </a:solidFill>
+                <a:effectLst>
+                  <a:outerShdw blurRad="38100" dist="38100" dir="2700000" algn="tl">
+                    <a:schemeClr val="bg1">
+                      <a:alpha val="43000"/>
+                    </a:schemeClr>
+                  </a:outerShdw>
+                </a:effectLst>
+              </a:rPr>
+              <a:t>Име на променлива</a:t>
+            </a:r>
+          </a:p>
+        </p:txBody>
+      </p:sp>
+      <p:sp>
+        <p:nvSpPr>
+          <p:cNvPr id="7" name="AutoShape 7"/>
+          <p:cNvSpPr>
+            <a:spLocks noChangeArrowheads="1"/>
+          </p:cNvSpPr>
+          <p:nvPr/>
+        </p:nvSpPr>
+        <p:spPr bwMode="auto">
+          <a:xfrm>
+            <a:off x="7101176" y="5147514"/>
+            <a:ext cx="4000933" cy="628027"/>
+          </a:xfrm>
+          <a:prstGeom prst="wedgeRoundRectCallout">
+            <a:avLst>
+              <a:gd name="adj1" fmla="val -63410"/>
+              <a:gd name="adj2" fmla="val -40401"/>
+              <a:gd name="adj3" fmla="val 16667"/>
+            </a:avLst>
+          </a:prstGeom>
+          <a:solidFill>
+            <a:schemeClr val="bg1">
+              <a:lumMod val="85000"/>
+              <a:alpha val="94902"/>
+            </a:schemeClr>
+          </a:solidFill>
+          <a:ln w="19050">
+            <a:solidFill>
+              <a:schemeClr val="bg1">
+                <a:lumMod val="50000"/>
+                <a:alpha val="80000"/>
+              </a:schemeClr>
+            </a:solidFill>
+          </a:ln>
+        </p:spPr>
+        <p:style>
+          <a:lnRef idx="2">
+            <a:schemeClr val="accent1">
+              <a:shade val="50000"/>
+            </a:schemeClr>
+          </a:lnRef>
+          <a:fillRef idx="1">
+            <a:schemeClr val="accent1"/>
+          </a:fillRef>
+          <a:effectRef idx="0">
+            <a:schemeClr val="accent1"/>
+          </a:effectRef>
+          <a:fontRef idx="minor">
+            <a:schemeClr val="lt1"/>
+          </a:fontRef>
+        </p:style>
+        <p:txBody>
+          <a:bodyPr rot="0" spcFirstLastPara="0" vertOverflow="overflow" horzOverflow="overflow" vert="horz" wrap="square" lIns="91440" tIns="45720" rIns="91440" bIns="45720" numCol="1" spcCol="0" rtlCol="0" fromWordArt="0" anchor="ctr" anchorCtr="0" forceAA="0" compatLnSpc="1">
+            <a:prstTxWarp prst="textNoShape">
+              <a:avLst/>
+            </a:prstTxWarp>
+            <a:noAutofit/>
+          </a:bodyPr>
+          <a:lstStyle/>
+          <a:p>
+            <a:pPr algn="ctr"/>
+            <a:r>
+              <a:rPr lang="bg-BG" sz="2800" b="1" dirty="0">
+                <a:solidFill>
+                  <a:schemeClr val="tx1"/>
+                </a:solidFill>
+                <a:effectLst>
+                  <a:outerShdw blurRad="38100" dist="38100" dir="2700000" algn="tl">
+                    <a:schemeClr val="bg1">
+                      <a:alpha val="43000"/>
+                    </a:schemeClr>
+                  </a:outerShdw>
+                </a:effectLst>
+              </a:rPr>
+              <a:t>Стойност (от тип число)</a:t>
+            </a:r>
+          </a:p>
+        </p:txBody>
+      </p:sp>
+    </p:spTree>
+    <p:extLst>
+      <p:ext uri="{BB962C8B-B14F-4D97-AF65-F5344CB8AC3E}">
+        <p14:creationId xmlns:p14="http://schemas.microsoft.com/office/powerpoint/2010/main" val="2184007887"/>
+      </p:ext>
+    </p:extLst>
+  </p:cSld>
+  <p:clrMapOvr>
+    <a:masterClrMapping/>
+  </p:clrMapOvr>
+  <p:timing>
+    <p:tnLst>
+      <p:par>
+        <p:cTn id="1" dur="indefinite" restart="never" nodeType="tmRoot">
+          <p:childTnLst>
+            <p:seq concurrent="1" nextAc="seek">
+              <p:cTn id="2" dur="indefinite" nodeType="mainSeq">
+                <p:childTnLst>
+                  <p:par>
+                    <p:cTn id="3" fill="hold">
+                      <p:stCondLst>
+                        <p:cond delay="indefinite"/>
+                      </p:stCondLst>
+                      <p:childTnLst>
+                        <p:par>
+                          <p:cTn id="4" fill="hold">
+                            <p:stCondLst>
+                              <p:cond delay="0"/>
+                            </p:stCondLst>
+                            <p:childTnLst>
+                              <p:par>
+                                <p:cTn id="5" presetID="1" presetClass="entr" presetSubtype="0" fill="hold" grpId="0" nodeType="clickEffect">
+                                  <p:stCondLst>
+                                    <p:cond delay="0"/>
+                                  </p:stCondLst>
+                                  <p:childTnLst>
+                                    <p:set>
+                                      <p:cBhvr>
+                                        <p:cTn id="6" dur="1" fill="hold">
+                                          <p:stCondLst>
+                                            <p:cond delay="0"/>
+                                          </p:stCondLst>
+                                        </p:cTn>
+                                        <p:tgtEl>
+                                          <p:spTgt spid="5"/>
+                                        </p:tgtEl>
+                                        <p:attrNameLst>
+                                          <p:attrName>style.visibility</p:attrName>
+                                        </p:attrNameLst>
+                                      </p:cBhvr>
+                                      <p:to>
+                                        <p:strVal val="visible"/>
+                                      </p:to>
+                                    </p:set>
+                                  </p:childTnLst>
+                                </p:cTn>
+                              </p:par>
+                            </p:childTnLst>
+                          </p:cTn>
+                        </p:par>
+                      </p:childTnLst>
+                    </p:cTn>
+                  </p:par>
+                  <p:par>
+                    <p:cTn id="7" fill="hold">
+                      <p:stCondLst>
+                        <p:cond delay="indefinite"/>
+                      </p:stCondLst>
+                      <p:childTnLst>
+                        <p:par>
+                          <p:cTn id="8" fill="hold">
+                            <p:stCondLst>
+                              <p:cond delay="0"/>
+                            </p:stCondLst>
+                            <p:childTnLst>
+                              <p:par>
+                                <p:cTn id="9" presetID="1" presetClass="entr" presetSubtype="0" fill="hold" grpId="0" nodeType="clickEffect">
+                                  <p:stCondLst>
+                                    <p:cond delay="0"/>
+                                  </p:stCondLst>
+                                  <p:childTnLst>
+                                    <p:set>
+                                      <p:cBhvr>
+                                        <p:cTn id="10" dur="1" fill="hold">
+                                          <p:stCondLst>
+                                            <p:cond delay="0"/>
+                                          </p:stCondLst>
+                                        </p:cTn>
+                                        <p:tgtEl>
+                                          <p:spTgt spid="6"/>
+                                        </p:tgtEl>
+                                        <p:attrNameLst>
+                                          <p:attrName>style.visibility</p:attrName>
+                                        </p:attrNameLst>
+                                      </p:cBhvr>
+                                      <p:to>
+                                        <p:strVal val="visible"/>
+                                      </p:to>
+                                    </p:set>
+                                  </p:childTnLst>
+                                </p:cTn>
+                              </p:par>
+                            </p:childTnLst>
+                          </p:cTn>
+                        </p:par>
+                      </p:childTnLst>
+                    </p:cTn>
+                  </p:par>
+                  <p:par>
+                    <p:cTn id="11" fill="hold">
+                      <p:stCondLst>
+                        <p:cond delay="indefinite"/>
+                      </p:stCondLst>
+                      <p:childTnLst>
+                        <p:par>
+                          <p:cTn id="12" fill="hold">
+                            <p:stCondLst>
+                              <p:cond delay="0"/>
+                            </p:stCondLst>
+                            <p:childTnLst>
+                              <p:par>
+                                <p:cTn id="13" presetID="1" presetClass="entr" presetSubtype="0" fill="hold" grpId="0" nodeType="clickEffect">
+                                  <p:stCondLst>
+                                    <p:cond delay="0"/>
+                                  </p:stCondLst>
+                                  <p:childTnLst>
+                                    <p:set>
+                                      <p:cBhvr>
+                                        <p:cTn id="14" dur="1" fill="hold">
+                                          <p:stCondLst>
+                                            <p:cond delay="0"/>
+                                          </p:stCondLst>
+                                        </p:cTn>
+                                        <p:tgtEl>
+                                          <p:spTgt spid="7"/>
+                                        </p:tgtEl>
+                                        <p:attrNameLst>
+                                          <p:attrName>style.visibility</p:attrName>
+                                        </p:attrNameLst>
+                                      </p:cBhvr>
+                                      <p:to>
+                                        <p:strVal val="visible"/>
+                                      </p:to>
+                                    </p:set>
+                                  </p:childTnLst>
+                                </p:cTn>
+                              </p:par>
+                            </p:childTnLst>
+                          </p:cTn>
+                        </p:par>
+                      </p:childTnLst>
+                    </p:cTn>
+                  </p:par>
+                </p:childTnLst>
+              </p:cTn>
+              <p:prevCondLst>
+                <p:cond evt="onPrev" delay="0">
+                  <p:tgtEl>
+                    <p:sldTgt/>
+                  </p:tgtEl>
+                </p:cond>
+              </p:prevCondLst>
+              <p:nextCondLst>
+                <p:cond evt="onNext" delay="0">
+                  <p:tgtEl>
+                    <p:sldTgt/>
+                  </p:tgtEl>
+                </p:cond>
+              </p:nextCondLst>
+            </p:seq>
+          </p:childTnLst>
+        </p:cTn>
+      </p:par>
+    </p:tnLst>
+    <p:bldLst>
+      <p:bldP spid="5" grpId="0" animBg="1"/>
+      <p:bldP spid="6" grpId="0" animBg="1"/>
+      <p:bldP spid="7" grpId="0" animBg="1"/>
+    </p:bldLst>
+  </p:timing>
+</p:sld>
+</file>
+
 <file path=ppt/theme/theme1.xml><?xml version="1.0" encoding="utf-8"?>
 <a:theme xmlns:a="http://schemas.openxmlformats.org/drawingml/2006/main" name="Office Theme">
   <a:themeElements>

--- a/resources/Book-Images.pptx
+++ b/resources/Book-Images.pptx
@@ -243,7 +243,7 @@
           <a:p>
             <a:fld id="{78F2F26C-9256-4E49-822A-CBF31DCDB915}" type="datetimeFigureOut">
               <a:rPr lang="en-US" smtClean="0"/>
-              <a:t>07-Mar-17</a:t>
+              <a:t>3/7/2017</a:t>
             </a:fld>
             <a:endParaRPr lang="en-US"/>
           </a:p>
@@ -411,7 +411,7 @@
           <a:p>
             <a:fld id="{78F2F26C-9256-4E49-822A-CBF31DCDB915}" type="datetimeFigureOut">
               <a:rPr lang="en-US" smtClean="0"/>
-              <a:t>07-Mar-17</a:t>
+              <a:t>3/7/2017</a:t>
             </a:fld>
             <a:endParaRPr lang="en-US"/>
           </a:p>
@@ -589,7 +589,7 @@
           <a:p>
             <a:fld id="{78F2F26C-9256-4E49-822A-CBF31DCDB915}" type="datetimeFigureOut">
               <a:rPr lang="en-US" smtClean="0"/>
-              <a:t>07-Mar-17</a:t>
+              <a:t>3/7/2017</a:t>
             </a:fld>
             <a:endParaRPr lang="en-US"/>
           </a:p>
@@ -757,7 +757,7 @@
           <a:p>
             <a:fld id="{78F2F26C-9256-4E49-822A-CBF31DCDB915}" type="datetimeFigureOut">
               <a:rPr lang="en-US" smtClean="0"/>
-              <a:t>07-Mar-17</a:t>
+              <a:t>3/7/2017</a:t>
             </a:fld>
             <a:endParaRPr lang="en-US"/>
           </a:p>
@@ -1002,7 +1002,7 @@
           <a:p>
             <a:fld id="{78F2F26C-9256-4E49-822A-CBF31DCDB915}" type="datetimeFigureOut">
               <a:rPr lang="en-US" smtClean="0"/>
-              <a:t>07-Mar-17</a:t>
+              <a:t>3/7/2017</a:t>
             </a:fld>
             <a:endParaRPr lang="en-US"/>
           </a:p>
@@ -1231,7 +1231,7 @@
           <a:p>
             <a:fld id="{78F2F26C-9256-4E49-822A-CBF31DCDB915}" type="datetimeFigureOut">
               <a:rPr lang="en-US" smtClean="0"/>
-              <a:t>07-Mar-17</a:t>
+              <a:t>3/7/2017</a:t>
             </a:fld>
             <a:endParaRPr lang="en-US"/>
           </a:p>
@@ -1595,7 +1595,7 @@
           <a:p>
             <a:fld id="{78F2F26C-9256-4E49-822A-CBF31DCDB915}" type="datetimeFigureOut">
               <a:rPr lang="en-US" smtClean="0"/>
-              <a:t>07-Mar-17</a:t>
+              <a:t>3/7/2017</a:t>
             </a:fld>
             <a:endParaRPr lang="en-US"/>
           </a:p>
@@ -1712,7 +1712,7 @@
           <a:p>
             <a:fld id="{78F2F26C-9256-4E49-822A-CBF31DCDB915}" type="datetimeFigureOut">
               <a:rPr lang="en-US" smtClean="0"/>
-              <a:t>07-Mar-17</a:t>
+              <a:t>3/7/2017</a:t>
             </a:fld>
             <a:endParaRPr lang="en-US"/>
           </a:p>
@@ -1807,7 +1807,7 @@
           <a:p>
             <a:fld id="{78F2F26C-9256-4E49-822A-CBF31DCDB915}" type="datetimeFigureOut">
               <a:rPr lang="en-US" smtClean="0"/>
-              <a:t>07-Mar-17</a:t>
+              <a:t>3/7/2017</a:t>
             </a:fld>
             <a:endParaRPr lang="en-US"/>
           </a:p>
@@ -2082,7 +2082,7 @@
           <a:p>
             <a:fld id="{78F2F26C-9256-4E49-822A-CBF31DCDB915}" type="datetimeFigureOut">
               <a:rPr lang="en-US" smtClean="0"/>
-              <a:t>07-Mar-17</a:t>
+              <a:t>3/7/2017</a:t>
             </a:fld>
             <a:endParaRPr lang="en-US"/>
           </a:p>
@@ -2334,7 +2334,7 @@
           <a:p>
             <a:fld id="{78F2F26C-9256-4E49-822A-CBF31DCDB915}" type="datetimeFigureOut">
               <a:rPr lang="en-US" smtClean="0"/>
-              <a:t>07-Mar-17</a:t>
+              <a:t>3/7/2017</a:t>
             </a:fld>
             <a:endParaRPr lang="en-US"/>
           </a:p>
@@ -2545,7 +2545,7 @@
           <a:p>
             <a:fld id="{78F2F26C-9256-4E49-822A-CBF31DCDB915}" type="datetimeFigureOut">
               <a:rPr lang="en-US" smtClean="0"/>
-              <a:t>07-Mar-17</a:t>
+              <a:t>3/7/2017</a:t>
             </a:fld>
             <a:endParaRPr lang="en-US"/>
           </a:p>
